--- a/Final Project/Report/MAGCN.pptx
+++ b/Final Project/Report/MAGCN.pptx
@@ -5,7 +5,7 @@
     <p:sldMasterId id="2147483648" r:id="rId1"/>
   </p:sldMasterIdLst>
   <p:notesMasterIdLst>
-    <p:notesMasterId r:id="rId12"/>
+    <p:notesMasterId r:id="rId13"/>
   </p:notesMasterIdLst>
   <p:sldIdLst>
     <p:sldId id="256" r:id="rId2"/>
@@ -18,6 +18,7 @@
     <p:sldId id="265" r:id="rId9"/>
     <p:sldId id="262" r:id="rId10"/>
     <p:sldId id="267" r:id="rId11"/>
+    <p:sldId id="268" r:id="rId12"/>
   </p:sldIdLst>
   <p:sldSz cx="12192000" cy="6858000"/>
   <p:notesSz cx="6858000" cy="9144000"/>
@@ -206,7 +207,7 @@
           <a:p>
             <a:fld id="{469BEC99-675D-4A9F-ADE5-D6512FBA2E6E}" type="datetimeFigureOut">
               <a:rPr lang="en-US" smtClean="0"/>
-              <a:t>8/16/2024</a:t>
+              <a:t>8/18/2024</a:t>
             </a:fld>
             <a:endParaRPr lang="en-US"/>
           </a:p>
@@ -620,7 +621,7 @@
           <a:p>
             <a:fld id="{765F92DF-9F95-4449-BAAA-4E3DA3B22E1E}" type="datetime1">
               <a:rPr lang="en-US" smtClean="0"/>
-              <a:t>8/16/2024</a:t>
+              <a:t>8/18/2024</a:t>
             </a:fld>
             <a:endParaRPr lang="en-US"/>
           </a:p>
@@ -818,7 +819,7 @@
           <a:p>
             <a:fld id="{00D4CAA8-0500-4333-9D55-4951172AAB71}" type="datetime1">
               <a:rPr lang="en-US" smtClean="0"/>
-              <a:t>8/16/2024</a:t>
+              <a:t>8/18/2024</a:t>
             </a:fld>
             <a:endParaRPr lang="en-US"/>
           </a:p>
@@ -1026,7 +1027,7 @@
           <a:p>
             <a:fld id="{C2FDE4BD-7C7B-418F-82D7-AA403A67F3C4}" type="datetime1">
               <a:rPr lang="en-US" smtClean="0"/>
-              <a:t>8/16/2024</a:t>
+              <a:t>8/18/2024</a:t>
             </a:fld>
             <a:endParaRPr lang="en-US"/>
           </a:p>
@@ -1224,7 +1225,7 @@
           <a:p>
             <a:fld id="{F3DFDAC0-09CE-4453-B2BD-1CC812BEA797}" type="datetime1">
               <a:rPr lang="en-US" smtClean="0"/>
-              <a:t>8/16/2024</a:t>
+              <a:t>8/18/2024</a:t>
             </a:fld>
             <a:endParaRPr lang="en-US"/>
           </a:p>
@@ -1499,7 +1500,7 @@
           <a:p>
             <a:fld id="{5F37B80A-924E-44FC-9CA7-38AC6CC5B87C}" type="datetime1">
               <a:rPr lang="en-US" smtClean="0"/>
-              <a:t>8/16/2024</a:t>
+              <a:t>8/18/2024</a:t>
             </a:fld>
             <a:endParaRPr lang="en-US"/>
           </a:p>
@@ -1764,7 +1765,7 @@
           <a:p>
             <a:fld id="{759B773A-E2BD-4434-9256-27498AD20444}" type="datetime1">
               <a:rPr lang="en-US" smtClean="0"/>
-              <a:t>8/16/2024</a:t>
+              <a:t>8/18/2024</a:t>
             </a:fld>
             <a:endParaRPr lang="en-US"/>
           </a:p>
@@ -2176,7 +2177,7 @@
           <a:p>
             <a:fld id="{64E9AA80-9142-410B-8044-3B3C3A6E58A3}" type="datetime1">
               <a:rPr lang="en-US" smtClean="0"/>
-              <a:t>8/16/2024</a:t>
+              <a:t>8/18/2024</a:t>
             </a:fld>
             <a:endParaRPr lang="en-US"/>
           </a:p>
@@ -2317,7 +2318,7 @@
           <a:p>
             <a:fld id="{68957536-1EA3-4873-989A-8770E9A61268}" type="datetime1">
               <a:rPr lang="en-US" smtClean="0"/>
-              <a:t>8/16/2024</a:t>
+              <a:t>8/18/2024</a:t>
             </a:fld>
             <a:endParaRPr lang="en-US"/>
           </a:p>
@@ -2430,7 +2431,7 @@
           <a:p>
             <a:fld id="{6ABE97BB-7C4F-4CCD-B013-4AFE91806ECD}" type="datetime1">
               <a:rPr lang="en-US" smtClean="0"/>
-              <a:t>8/16/2024</a:t>
+              <a:t>8/18/2024</a:t>
             </a:fld>
             <a:endParaRPr lang="en-US"/>
           </a:p>
@@ -2741,7 +2742,7 @@
           <a:p>
             <a:fld id="{B80D0593-607A-4F71-BD6B-927942028E14}" type="datetime1">
               <a:rPr lang="en-US" smtClean="0"/>
-              <a:t>8/16/2024</a:t>
+              <a:t>8/18/2024</a:t>
             </a:fld>
             <a:endParaRPr lang="en-US"/>
           </a:p>
@@ -3029,7 +3030,7 @@
           <a:p>
             <a:fld id="{2B0BDE1A-D264-471D-8D36-239FC1160A46}" type="datetime1">
               <a:rPr lang="en-US" smtClean="0"/>
-              <a:t>8/16/2024</a:t>
+              <a:t>8/18/2024</a:t>
             </a:fld>
             <a:endParaRPr lang="en-US"/>
           </a:p>
@@ -3270,7 +3271,7 @@
           <a:p>
             <a:fld id="{FC176766-4217-4506-BC2F-484F76793B73}" type="datetime1">
               <a:rPr lang="en-US" smtClean="0"/>
-              <a:t>8/16/2024</a:t>
+              <a:t>8/18/2024</a:t>
             </a:fld>
             <a:endParaRPr lang="en-US"/>
           </a:p>
@@ -4178,6 +4179,325 @@
 </p:sld>
 </file>
 
+<file path=ppt/slides/slide11.xml><?xml version="1.0" encoding="utf-8"?>
+<p:sld xmlns:a="http://schemas.openxmlformats.org/drawingml/2006/main" xmlns:r="http://schemas.openxmlformats.org/officeDocument/2006/relationships" xmlns:p="http://schemas.openxmlformats.org/presentationml/2006/main">
+  <p:cSld>
+    <p:spTree>
+      <p:nvGrpSpPr>
+        <p:cNvPr id="1" name=""/>
+        <p:cNvGrpSpPr/>
+        <p:nvPr/>
+      </p:nvGrpSpPr>
+      <p:grpSpPr>
+        <a:xfrm>
+          <a:off x="0" y="0"/>
+          <a:ext cx="0" cy="0"/>
+          <a:chOff x="0" y="0"/>
+          <a:chExt cx="0" cy="0"/>
+        </a:xfrm>
+      </p:grpSpPr>
+      <p:sp>
+        <p:nvSpPr>
+          <p:cNvPr id="2" name="Title 1">
+            <a:extLst>
+              <a:ext uri="{FF2B5EF4-FFF2-40B4-BE49-F238E27FC236}">
+                <a16:creationId xmlns:a16="http://schemas.microsoft.com/office/drawing/2014/main" id="{D942772E-5DFA-47BA-8D50-852C760CFA93}"/>
+              </a:ext>
+            </a:extLst>
+          </p:cNvPr>
+          <p:cNvSpPr>
+            <a:spLocks noGrp="1"/>
+          </p:cNvSpPr>
+          <p:nvPr>
+            <p:ph type="title"/>
+          </p:nvPr>
+        </p:nvSpPr>
+        <p:spPr/>
+        <p:txBody>
+          <a:bodyPr/>
+          <a:lstStyle/>
+          <a:p>
+            <a:r>
+              <a:rPr lang="en-US" u="sng" dirty="0">
+                <a:latin typeface="Times New Roman" panose="02020603050405020304" pitchFamily="18" charset="0"/>
+                <a:cs typeface="Times New Roman" panose="02020603050405020304" pitchFamily="18" charset="0"/>
+              </a:rPr>
+              <a:t>t-SNE Visualization </a:t>
+            </a:r>
+          </a:p>
+        </p:txBody>
+      </p:sp>
+      <p:pic>
+        <p:nvPicPr>
+          <p:cNvPr id="6" name="Content Placeholder 5">
+            <a:extLst>
+              <a:ext uri="{FF2B5EF4-FFF2-40B4-BE49-F238E27FC236}">
+                <a16:creationId xmlns:a16="http://schemas.microsoft.com/office/drawing/2014/main" id="{B8FAD8B3-46A3-460F-B517-D3AC986EE577}"/>
+              </a:ext>
+            </a:extLst>
+          </p:cNvPr>
+          <p:cNvPicPr>
+            <a:picLocks noGrp="1" noChangeAspect="1"/>
+          </p:cNvPicPr>
+          <p:nvPr>
+            <p:ph idx="1"/>
+          </p:nvPr>
+        </p:nvPicPr>
+        <p:blipFill>
+          <a:blip r:embed="rId2">
+            <a:extLst>
+              <a:ext uri="{28A0092B-C50C-407E-A947-70E740481C1C}">
+                <a14:useLocalDpi xmlns:a14="http://schemas.microsoft.com/office/drawing/2010/main" val="0"/>
+              </a:ext>
+            </a:extLst>
+          </a:blip>
+          <a:stretch>
+            <a:fillRect/>
+          </a:stretch>
+        </p:blipFill>
+        <p:spPr>
+          <a:xfrm>
+            <a:off x="838200" y="2581406"/>
+            <a:ext cx="3037522" cy="2214529"/>
+          </a:xfrm>
+        </p:spPr>
+      </p:pic>
+      <p:sp>
+        <p:nvSpPr>
+          <p:cNvPr id="4" name="Slide Number Placeholder 3">
+            <a:extLst>
+              <a:ext uri="{FF2B5EF4-FFF2-40B4-BE49-F238E27FC236}">
+                <a16:creationId xmlns:a16="http://schemas.microsoft.com/office/drawing/2014/main" id="{2C86944A-A36C-446E-8436-5E1DD9F629F4}"/>
+              </a:ext>
+            </a:extLst>
+          </p:cNvPr>
+          <p:cNvSpPr>
+            <a:spLocks noGrp="1"/>
+          </p:cNvSpPr>
+          <p:nvPr>
+            <p:ph type="sldNum" sz="quarter" idx="12"/>
+          </p:nvPr>
+        </p:nvSpPr>
+        <p:spPr/>
+        <p:txBody>
+          <a:bodyPr/>
+          <a:lstStyle/>
+          <a:p>
+            <a:fld id="{6E5E38E8-63DB-4241-8CD9-C1A147A25416}" type="slidenum">
+              <a:rPr lang="en-US" smtClean="0"/>
+              <a:t>11</a:t>
+            </a:fld>
+            <a:endParaRPr lang="en-US"/>
+          </a:p>
+        </p:txBody>
+      </p:sp>
+      <p:sp>
+        <p:nvSpPr>
+          <p:cNvPr id="7" name="TextBox 6">
+            <a:extLst>
+              <a:ext uri="{FF2B5EF4-FFF2-40B4-BE49-F238E27FC236}">
+                <a16:creationId xmlns:a16="http://schemas.microsoft.com/office/drawing/2014/main" id="{A6556FC3-4E70-40B9-9417-E550EB4DC6FD}"/>
+              </a:ext>
+            </a:extLst>
+          </p:cNvPr>
+          <p:cNvSpPr txBox="1"/>
+          <p:nvPr/>
+        </p:nvSpPr>
+        <p:spPr>
+          <a:xfrm>
+            <a:off x="5625357" y="2212074"/>
+            <a:ext cx="941283" cy="369332"/>
+          </a:xfrm>
+          <a:prstGeom prst="rect">
+            <a:avLst/>
+          </a:prstGeom>
+          <a:noFill/>
+        </p:spPr>
+        <p:txBody>
+          <a:bodyPr wrap="none" rtlCol="0">
+            <a:spAutoFit/>
+          </a:bodyPr>
+          <a:lstStyle/>
+          <a:p>
+            <a:r>
+              <a:rPr lang="en-US" dirty="0" err="1">
+                <a:latin typeface="Times New Roman" panose="02020603050405020304" pitchFamily="18" charset="0"/>
+                <a:cs typeface="Times New Roman" panose="02020603050405020304" pitchFamily="18" charset="0"/>
+              </a:rPr>
+              <a:t>Citeseer</a:t>
+            </a:r>
+            <a:endParaRPr lang="en-US" dirty="0">
+              <a:latin typeface="Times New Roman" panose="02020603050405020304" pitchFamily="18" charset="0"/>
+              <a:cs typeface="Times New Roman" panose="02020603050405020304" pitchFamily="18" charset="0"/>
+            </a:endParaRPr>
+          </a:p>
+        </p:txBody>
+      </p:sp>
+      <p:pic>
+        <p:nvPicPr>
+          <p:cNvPr id="9" name="Picture 8">
+            <a:extLst>
+              <a:ext uri="{FF2B5EF4-FFF2-40B4-BE49-F238E27FC236}">
+                <a16:creationId xmlns:a16="http://schemas.microsoft.com/office/drawing/2014/main" id="{45094F9C-154E-4FC4-A5A5-F3FBB6EB6133}"/>
+              </a:ext>
+            </a:extLst>
+          </p:cNvPr>
+          <p:cNvPicPr>
+            <a:picLocks noChangeAspect="1"/>
+          </p:cNvPicPr>
+          <p:nvPr/>
+        </p:nvPicPr>
+        <p:blipFill>
+          <a:blip r:embed="rId3">
+            <a:extLst>
+              <a:ext uri="{28A0092B-C50C-407E-A947-70E740481C1C}">
+                <a14:useLocalDpi xmlns:a14="http://schemas.microsoft.com/office/drawing/2010/main" val="0"/>
+              </a:ext>
+            </a:extLst>
+          </a:blip>
+          <a:stretch>
+            <a:fillRect/>
+          </a:stretch>
+        </p:blipFill>
+        <p:spPr>
+          <a:xfrm>
+            <a:off x="8214272" y="2584934"/>
+            <a:ext cx="3139528" cy="2212848"/>
+          </a:xfrm>
+          <a:prstGeom prst="rect">
+            <a:avLst/>
+          </a:prstGeom>
+        </p:spPr>
+      </p:pic>
+      <p:sp>
+        <p:nvSpPr>
+          <p:cNvPr id="10" name="TextBox 9">
+            <a:extLst>
+              <a:ext uri="{FF2B5EF4-FFF2-40B4-BE49-F238E27FC236}">
+                <a16:creationId xmlns:a16="http://schemas.microsoft.com/office/drawing/2014/main" id="{8B3527CD-B038-456D-9441-A3D405D62320}"/>
+              </a:ext>
+            </a:extLst>
+          </p:cNvPr>
+          <p:cNvSpPr txBox="1"/>
+          <p:nvPr/>
+        </p:nvSpPr>
+        <p:spPr>
+          <a:xfrm>
+            <a:off x="9511558" y="2212074"/>
+            <a:ext cx="941283" cy="369332"/>
+          </a:xfrm>
+          <a:prstGeom prst="rect">
+            <a:avLst/>
+          </a:prstGeom>
+          <a:noFill/>
+        </p:spPr>
+        <p:txBody>
+          <a:bodyPr wrap="none" rtlCol="0">
+            <a:spAutoFit/>
+          </a:bodyPr>
+          <a:lstStyle/>
+          <a:p>
+            <a:r>
+              <a:rPr lang="en-US" dirty="0" err="1">
+                <a:latin typeface="Times New Roman" panose="02020603050405020304" pitchFamily="18" charset="0"/>
+                <a:cs typeface="Times New Roman" panose="02020603050405020304" pitchFamily="18" charset="0"/>
+              </a:rPr>
+              <a:t>Pubmed</a:t>
+            </a:r>
+            <a:endParaRPr lang="en-US" dirty="0">
+              <a:latin typeface="Times New Roman" panose="02020603050405020304" pitchFamily="18" charset="0"/>
+              <a:cs typeface="Times New Roman" panose="02020603050405020304" pitchFamily="18" charset="0"/>
+            </a:endParaRPr>
+          </a:p>
+        </p:txBody>
+      </p:sp>
+      <p:pic>
+        <p:nvPicPr>
+          <p:cNvPr id="13" name="Picture 12">
+            <a:extLst>
+              <a:ext uri="{FF2B5EF4-FFF2-40B4-BE49-F238E27FC236}">
+                <a16:creationId xmlns:a16="http://schemas.microsoft.com/office/drawing/2014/main" id="{6843BE22-0FD5-4733-AB83-A49D8BC97470}"/>
+              </a:ext>
+            </a:extLst>
+          </p:cNvPr>
+          <p:cNvPicPr>
+            <a:picLocks noChangeAspect="1"/>
+          </p:cNvPicPr>
+          <p:nvPr/>
+        </p:nvPicPr>
+        <p:blipFill>
+          <a:blip r:embed="rId4">
+            <a:extLst>
+              <a:ext uri="{28A0092B-C50C-407E-A947-70E740481C1C}">
+                <a14:useLocalDpi xmlns:a14="http://schemas.microsoft.com/office/drawing/2010/main" val="0"/>
+              </a:ext>
+            </a:extLst>
+          </a:blip>
+          <a:stretch>
+            <a:fillRect/>
+          </a:stretch>
+        </p:blipFill>
+        <p:spPr>
+          <a:xfrm>
+            <a:off x="4547406" y="2581406"/>
+            <a:ext cx="3097187" cy="2212848"/>
+          </a:xfrm>
+          <a:prstGeom prst="rect">
+            <a:avLst/>
+          </a:prstGeom>
+        </p:spPr>
+      </p:pic>
+      <p:sp>
+        <p:nvSpPr>
+          <p:cNvPr id="14" name="TextBox 13">
+            <a:extLst>
+              <a:ext uri="{FF2B5EF4-FFF2-40B4-BE49-F238E27FC236}">
+                <a16:creationId xmlns:a16="http://schemas.microsoft.com/office/drawing/2014/main" id="{1BE50287-D156-42E7-8FCC-402DAC2EC078}"/>
+              </a:ext>
+            </a:extLst>
+          </p:cNvPr>
+          <p:cNvSpPr txBox="1"/>
+          <p:nvPr/>
+        </p:nvSpPr>
+        <p:spPr>
+          <a:xfrm>
+            <a:off x="2040207" y="2222124"/>
+            <a:ext cx="633507" cy="369332"/>
+          </a:xfrm>
+          <a:prstGeom prst="rect">
+            <a:avLst/>
+          </a:prstGeom>
+          <a:noFill/>
+        </p:spPr>
+        <p:txBody>
+          <a:bodyPr wrap="none" rtlCol="0">
+            <a:spAutoFit/>
+          </a:bodyPr>
+          <a:lstStyle/>
+          <a:p>
+            <a:r>
+              <a:rPr lang="en-US" dirty="0">
+                <a:latin typeface="Times New Roman" panose="02020603050405020304" pitchFamily="18" charset="0"/>
+                <a:cs typeface="Times New Roman" panose="02020603050405020304" pitchFamily="18" charset="0"/>
+              </a:rPr>
+              <a:t>Cora</a:t>
+            </a:r>
+          </a:p>
+        </p:txBody>
+      </p:sp>
+    </p:spTree>
+    <p:extLst>
+      <p:ext uri="{BB962C8B-B14F-4D97-AF65-F5344CB8AC3E}">
+        <p14:creationId xmlns:p14="http://schemas.microsoft.com/office/powerpoint/2010/main" val="96124364"/>
+      </p:ext>
+    </p:extLst>
+  </p:cSld>
+  <p:clrMapOvr>
+    <a:masterClrMapping/>
+  </p:clrMapOvr>
+</p:sld>
+</file>
+
 <file path=ppt/slides/slide2.xml><?xml version="1.0" encoding="utf-8"?>
 <p:sld xmlns:a="http://schemas.openxmlformats.org/drawingml/2006/main" xmlns:r="http://schemas.openxmlformats.org/officeDocument/2006/relationships" xmlns:p="http://schemas.openxmlformats.org/presentationml/2006/main">
   <p:cSld>
@@ -5915,6 +6235,60 @@
           </a:prstGeom>
         </p:spPr>
       </p:pic>
+      <p:sp>
+        <p:nvSpPr>
+          <p:cNvPr id="3" name="Rectangle 2">
+            <a:extLst>
+              <a:ext uri="{FF2B5EF4-FFF2-40B4-BE49-F238E27FC236}">
+                <a16:creationId xmlns:a16="http://schemas.microsoft.com/office/drawing/2014/main" id="{8619BF73-577D-4C04-B96E-866DA9EF1979}"/>
+              </a:ext>
+            </a:extLst>
+          </p:cNvPr>
+          <p:cNvSpPr/>
+          <p:nvPr/>
+        </p:nvSpPr>
+        <p:spPr>
+          <a:xfrm>
+            <a:off x="1318546" y="5365101"/>
+            <a:ext cx="9554908" cy="326572"/>
+          </a:xfrm>
+          <a:prstGeom prst="rect">
+            <a:avLst/>
+          </a:prstGeom>
+          <a:solidFill>
+            <a:schemeClr val="bg1"/>
+          </a:solidFill>
+          <a:ln>
+            <a:solidFill>
+              <a:schemeClr val="bg1"/>
+            </a:solidFill>
+          </a:ln>
+        </p:spPr>
+        <p:style>
+          <a:lnRef idx="2">
+            <a:schemeClr val="accent1">
+              <a:shade val="50000"/>
+            </a:schemeClr>
+          </a:lnRef>
+          <a:fillRef idx="1">
+            <a:schemeClr val="accent1"/>
+          </a:fillRef>
+          <a:effectRef idx="0">
+            <a:schemeClr val="accent1"/>
+          </a:effectRef>
+          <a:fontRef idx="minor">
+            <a:schemeClr val="lt1"/>
+          </a:fontRef>
+        </p:style>
+        <p:txBody>
+          <a:bodyPr rtlCol="0" anchor="ctr"/>
+          <a:lstStyle/>
+          <a:p>
+            <a:pPr algn="ctr"/>
+            <a:endParaRPr lang="en-US"/>
+          </a:p>
+        </p:txBody>
+      </p:sp>
     </p:spTree>
     <p:extLst>
       <p:ext uri="{BB962C8B-B14F-4D97-AF65-F5344CB8AC3E}">
@@ -6027,27 +6401,42 @@
           <a:lstStyle/>
           <a:p>
             <a:r>
-              <a:rPr lang="en-US" dirty="0"/>
+              <a:rPr lang="en-US" dirty="0">
+                <a:latin typeface="Times New Roman" panose="02020603050405020304" pitchFamily="18" charset="0"/>
+                <a:cs typeface="Times New Roman" panose="02020603050405020304" pitchFamily="18" charset="0"/>
+              </a:rPr>
               <a:t>Cora: 0.83</a:t>
             </a:r>
           </a:p>
           <a:p>
             <a:r>
-              <a:rPr lang="en-US" dirty="0" err="1"/>
+              <a:rPr lang="en-US" dirty="0" err="1">
+                <a:latin typeface="Times New Roman" panose="02020603050405020304" pitchFamily="18" charset="0"/>
+                <a:cs typeface="Times New Roman" panose="02020603050405020304" pitchFamily="18" charset="0"/>
+              </a:rPr>
               <a:t>Citeseer</a:t>
             </a:r>
             <a:r>
-              <a:rPr lang="en-US" dirty="0"/>
+              <a:rPr lang="en-US" dirty="0">
+                <a:latin typeface="Times New Roman" panose="02020603050405020304" pitchFamily="18" charset="0"/>
+                <a:cs typeface="Times New Roman" panose="02020603050405020304" pitchFamily="18" charset="0"/>
+              </a:rPr>
               <a:t>: 0.71</a:t>
             </a:r>
           </a:p>
           <a:p>
             <a:r>
-              <a:rPr lang="en-US" dirty="0" err="1"/>
+              <a:rPr lang="en-US" dirty="0" err="1">
+                <a:latin typeface="Times New Roman" panose="02020603050405020304" pitchFamily="18" charset="0"/>
+                <a:cs typeface="Times New Roman" panose="02020603050405020304" pitchFamily="18" charset="0"/>
+              </a:rPr>
               <a:t>Pubmed</a:t>
             </a:r>
             <a:r>
-              <a:rPr lang="en-US" dirty="0"/>
+              <a:rPr lang="en-US" dirty="0">
+                <a:latin typeface="Times New Roman" panose="02020603050405020304" pitchFamily="18" charset="0"/>
+                <a:cs typeface="Times New Roman" panose="02020603050405020304" pitchFamily="18" charset="0"/>
+              </a:rPr>
               <a:t>: 0.79</a:t>
             </a:r>
           </a:p>
